--- a/PPT/week5_필리핀 친구들 맞이할 준비하기_20250401.pptx
+++ b/PPT/week5_필리핀 친구들 맞이할 준비하기_20250401.pptx
@@ -7,6 +7,9 @@
   <p:sldIdLst>
     <p:sldId id="256" r:id="rId2"/>
     <p:sldId id="257" r:id="rId3"/>
+    <p:sldId id="258" r:id="rId4"/>
+    <p:sldId id="259" r:id="rId5"/>
+    <p:sldId id="260" r:id="rId6"/>
   </p:sldIdLst>
   <p:sldSz cx="12192000" cy="6858000"/>
   <p:notesSz cx="6858000" cy="9144000"/>
@@ -260,7 +263,7 @@
           <a:p>
             <a:fld id="{31BC56AD-70B2-46BD-BB61-4D0D5F54A6B8}" type="datetimeFigureOut">
               <a:rPr lang="ko-KR" altLang="en-US" smtClean="0"/>
-              <a:t>2025-03-26</a:t>
+              <a:t>2025-03-28</a:t>
             </a:fld>
             <a:endParaRPr lang="ko-KR" altLang="en-US"/>
           </a:p>
@@ -458,7 +461,7 @@
           <a:p>
             <a:fld id="{31BC56AD-70B2-46BD-BB61-4D0D5F54A6B8}" type="datetimeFigureOut">
               <a:rPr lang="ko-KR" altLang="en-US" smtClean="0"/>
-              <a:t>2025-03-26</a:t>
+              <a:t>2025-03-28</a:t>
             </a:fld>
             <a:endParaRPr lang="ko-KR" altLang="en-US"/>
           </a:p>
@@ -666,7 +669,7 @@
           <a:p>
             <a:fld id="{31BC56AD-70B2-46BD-BB61-4D0D5F54A6B8}" type="datetimeFigureOut">
               <a:rPr lang="ko-KR" altLang="en-US" smtClean="0"/>
-              <a:t>2025-03-26</a:t>
+              <a:t>2025-03-28</a:t>
             </a:fld>
             <a:endParaRPr lang="ko-KR" altLang="en-US"/>
           </a:p>
@@ -864,7 +867,7 @@
           <a:p>
             <a:fld id="{31BC56AD-70B2-46BD-BB61-4D0D5F54A6B8}" type="datetimeFigureOut">
               <a:rPr lang="ko-KR" altLang="en-US" smtClean="0"/>
-              <a:t>2025-03-26</a:t>
+              <a:t>2025-03-28</a:t>
             </a:fld>
             <a:endParaRPr lang="ko-KR" altLang="en-US"/>
           </a:p>
@@ -1139,7 +1142,7 @@
           <a:p>
             <a:fld id="{31BC56AD-70B2-46BD-BB61-4D0D5F54A6B8}" type="datetimeFigureOut">
               <a:rPr lang="ko-KR" altLang="en-US" smtClean="0"/>
-              <a:t>2025-03-26</a:t>
+              <a:t>2025-03-28</a:t>
             </a:fld>
             <a:endParaRPr lang="ko-KR" altLang="en-US"/>
           </a:p>
@@ -1404,7 +1407,7 @@
           <a:p>
             <a:fld id="{31BC56AD-70B2-46BD-BB61-4D0D5F54A6B8}" type="datetimeFigureOut">
               <a:rPr lang="ko-KR" altLang="en-US" smtClean="0"/>
-              <a:t>2025-03-26</a:t>
+              <a:t>2025-03-28</a:t>
             </a:fld>
             <a:endParaRPr lang="ko-KR" altLang="en-US"/>
           </a:p>
@@ -1816,7 +1819,7 @@
           <a:p>
             <a:fld id="{31BC56AD-70B2-46BD-BB61-4D0D5F54A6B8}" type="datetimeFigureOut">
               <a:rPr lang="ko-KR" altLang="en-US" smtClean="0"/>
-              <a:t>2025-03-26</a:t>
+              <a:t>2025-03-28</a:t>
             </a:fld>
             <a:endParaRPr lang="ko-KR" altLang="en-US"/>
           </a:p>
@@ -1957,7 +1960,7 @@
           <a:p>
             <a:fld id="{31BC56AD-70B2-46BD-BB61-4D0D5F54A6B8}" type="datetimeFigureOut">
               <a:rPr lang="ko-KR" altLang="en-US" smtClean="0"/>
-              <a:t>2025-03-26</a:t>
+              <a:t>2025-03-28</a:t>
             </a:fld>
             <a:endParaRPr lang="ko-KR" altLang="en-US"/>
           </a:p>
@@ -2070,7 +2073,7 @@
           <a:p>
             <a:fld id="{31BC56AD-70B2-46BD-BB61-4D0D5F54A6B8}" type="datetimeFigureOut">
               <a:rPr lang="ko-KR" altLang="en-US" smtClean="0"/>
-              <a:t>2025-03-26</a:t>
+              <a:t>2025-03-28</a:t>
             </a:fld>
             <a:endParaRPr lang="ko-KR" altLang="en-US"/>
           </a:p>
@@ -2381,7 +2384,7 @@
           <a:p>
             <a:fld id="{31BC56AD-70B2-46BD-BB61-4D0D5F54A6B8}" type="datetimeFigureOut">
               <a:rPr lang="ko-KR" altLang="en-US" smtClean="0"/>
-              <a:t>2025-03-26</a:t>
+              <a:t>2025-03-28</a:t>
             </a:fld>
             <a:endParaRPr lang="ko-KR" altLang="en-US"/>
           </a:p>
@@ -2669,7 +2672,7 @@
           <a:p>
             <a:fld id="{31BC56AD-70B2-46BD-BB61-4D0D5F54A6B8}" type="datetimeFigureOut">
               <a:rPr lang="ko-KR" altLang="en-US" smtClean="0"/>
-              <a:t>2025-03-26</a:t>
+              <a:t>2025-03-28</a:t>
             </a:fld>
             <a:endParaRPr lang="ko-KR" altLang="en-US"/>
           </a:p>
@@ -2910,7 +2913,7 @@
           <a:p>
             <a:fld id="{31BC56AD-70B2-46BD-BB61-4D0D5F54A6B8}" type="datetimeFigureOut">
               <a:rPr lang="ko-KR" altLang="en-US" smtClean="0"/>
-              <a:t>2025-03-26</a:t>
+              <a:t>2025-03-28</a:t>
             </a:fld>
             <a:endParaRPr lang="ko-KR" altLang="en-US"/>
           </a:p>
@@ -3557,12 +3560,192 @@
           <a:chExt cx="0" cy="0"/>
         </a:xfrm>
       </p:grpSpPr>
-      <p:sp>
-        <p:nvSpPr>
-          <p:cNvPr id="2" name="TextBox 1">
-            <a:extLst>
-              <a:ext uri="{FF2B5EF4-FFF2-40B4-BE49-F238E27FC236}">
-                <a16:creationId xmlns:a16="http://schemas.microsoft.com/office/drawing/2014/main" id="{7CDDCD6E-4620-375D-5BA9-FE8C2F0E5D4F}"/>
+      <p:pic>
+        <p:nvPicPr>
+          <p:cNvPr id="7" name="그림 6">
+            <a:extLst>
+              <a:ext uri="{FF2B5EF4-FFF2-40B4-BE49-F238E27FC236}">
+                <a16:creationId xmlns:a16="http://schemas.microsoft.com/office/drawing/2014/main" id="{158AF3CF-935B-8371-D1AF-276587B99B60}"/>
+              </a:ext>
+            </a:extLst>
+          </p:cNvPr>
+          <p:cNvPicPr>
+            <a:picLocks noChangeAspect="1"/>
+          </p:cNvPicPr>
+          <p:nvPr/>
+        </p:nvPicPr>
+        <p:blipFill>
+          <a:blip r:embed="rId2"/>
+          <a:stretch>
+            <a:fillRect/>
+          </a:stretch>
+        </p:blipFill>
+        <p:spPr>
+          <a:xfrm>
+            <a:off x="416286" y="564640"/>
+            <a:ext cx="7240010" cy="5229955"/>
+          </a:xfrm>
+          <a:prstGeom prst="rect">
+            <a:avLst/>
+          </a:prstGeom>
+        </p:spPr>
+      </p:pic>
+    </p:spTree>
+    <p:extLst>
+      <p:ext uri="{BB962C8B-B14F-4D97-AF65-F5344CB8AC3E}">
+        <p14:creationId xmlns:p14="http://schemas.microsoft.com/office/powerpoint/2010/main" val="2995213622"/>
+      </p:ext>
+    </p:extLst>
+  </p:cSld>
+  <p:clrMapOvr>
+    <a:masterClrMapping/>
+  </p:clrMapOvr>
+</p:sld>
+</file>
+
+<file path=ppt/slides/slide3.xml><?xml version="1.0" encoding="utf-8"?>
+<p:sld xmlns:a="http://schemas.openxmlformats.org/drawingml/2006/main" xmlns:r="http://schemas.openxmlformats.org/officeDocument/2006/relationships" xmlns:p="http://schemas.openxmlformats.org/presentationml/2006/main">
+  <p:cSld>
+    <p:spTree>
+      <p:nvGrpSpPr>
+        <p:cNvPr id="1" name=""/>
+        <p:cNvGrpSpPr/>
+        <p:nvPr/>
+      </p:nvGrpSpPr>
+      <p:grpSpPr>
+        <a:xfrm>
+          <a:off x="0" y="0"/>
+          <a:ext cx="0" cy="0"/>
+          <a:chOff x="0" y="0"/>
+          <a:chExt cx="0" cy="0"/>
+        </a:xfrm>
+      </p:grpSpPr>
+      <p:pic>
+        <p:nvPicPr>
+          <p:cNvPr id="3" name="그림 2">
+            <a:extLst>
+              <a:ext uri="{FF2B5EF4-FFF2-40B4-BE49-F238E27FC236}">
+                <a16:creationId xmlns:a16="http://schemas.microsoft.com/office/drawing/2014/main" id="{E639B5C8-FEEF-9985-9E7B-AB53F484CF17}"/>
+              </a:ext>
+            </a:extLst>
+          </p:cNvPr>
+          <p:cNvPicPr>
+            <a:picLocks noChangeAspect="1"/>
+          </p:cNvPicPr>
+          <p:nvPr/>
+        </p:nvPicPr>
+        <p:blipFill>
+          <a:blip r:embed="rId2"/>
+          <a:stretch>
+            <a:fillRect/>
+          </a:stretch>
+        </p:blipFill>
+        <p:spPr>
+          <a:xfrm>
+            <a:off x="478265" y="275734"/>
+            <a:ext cx="6277851" cy="3515216"/>
+          </a:xfrm>
+          <a:prstGeom prst="rect">
+            <a:avLst/>
+          </a:prstGeom>
+        </p:spPr>
+      </p:pic>
+    </p:spTree>
+    <p:extLst>
+      <p:ext uri="{BB962C8B-B14F-4D97-AF65-F5344CB8AC3E}">
+        <p14:creationId xmlns:p14="http://schemas.microsoft.com/office/powerpoint/2010/main" val="1115306757"/>
+      </p:ext>
+    </p:extLst>
+  </p:cSld>
+  <p:clrMapOvr>
+    <a:masterClrMapping/>
+  </p:clrMapOvr>
+</p:sld>
+</file>
+
+<file path=ppt/slides/slide4.xml><?xml version="1.0" encoding="utf-8"?>
+<p:sld xmlns:a="http://schemas.openxmlformats.org/drawingml/2006/main" xmlns:r="http://schemas.openxmlformats.org/officeDocument/2006/relationships" xmlns:p="http://schemas.openxmlformats.org/presentationml/2006/main">
+  <p:cSld>
+    <p:spTree>
+      <p:nvGrpSpPr>
+        <p:cNvPr id="1" name=""/>
+        <p:cNvGrpSpPr/>
+        <p:nvPr/>
+      </p:nvGrpSpPr>
+      <p:grpSpPr>
+        <a:xfrm>
+          <a:off x="0" y="0"/>
+          <a:ext cx="0" cy="0"/>
+          <a:chOff x="0" y="0"/>
+          <a:chExt cx="0" cy="0"/>
+        </a:xfrm>
+      </p:grpSpPr>
+      <p:pic>
+        <p:nvPicPr>
+          <p:cNvPr id="3" name="그림 2">
+            <a:extLst>
+              <a:ext uri="{FF2B5EF4-FFF2-40B4-BE49-F238E27FC236}">
+                <a16:creationId xmlns:a16="http://schemas.microsoft.com/office/drawing/2014/main" id="{AE499058-1578-8D95-8265-76DA92BC2C88}"/>
+              </a:ext>
+            </a:extLst>
+          </p:cNvPr>
+          <p:cNvPicPr>
+            <a:picLocks noChangeAspect="1"/>
+          </p:cNvPicPr>
+          <p:nvPr/>
+        </p:nvPicPr>
+        <p:blipFill>
+          <a:blip r:embed="rId2"/>
+          <a:stretch>
+            <a:fillRect/>
+          </a:stretch>
+        </p:blipFill>
+        <p:spPr>
+          <a:xfrm>
+            <a:off x="290145" y="794998"/>
+            <a:ext cx="5268060" cy="4867954"/>
+          </a:xfrm>
+          <a:prstGeom prst="rect">
+            <a:avLst/>
+          </a:prstGeom>
+        </p:spPr>
+      </p:pic>
+      <p:pic>
+        <p:nvPicPr>
+          <p:cNvPr id="5" name="그림 4">
+            <a:extLst>
+              <a:ext uri="{FF2B5EF4-FFF2-40B4-BE49-F238E27FC236}">
+                <a16:creationId xmlns:a16="http://schemas.microsoft.com/office/drawing/2014/main" id="{8A20A7D8-C8CE-3BA5-9C95-F7CFA77C701A}"/>
+              </a:ext>
+            </a:extLst>
+          </p:cNvPr>
+          <p:cNvPicPr>
+            <a:picLocks noChangeAspect="1"/>
+          </p:cNvPicPr>
+          <p:nvPr/>
+        </p:nvPicPr>
+        <p:blipFill>
+          <a:blip r:embed="rId3"/>
+          <a:stretch>
+            <a:fillRect/>
+          </a:stretch>
+        </p:blipFill>
+        <p:spPr>
+          <a:xfrm>
+            <a:off x="6096000" y="794998"/>
+            <a:ext cx="5115639" cy="3639058"/>
+          </a:xfrm>
+          <a:prstGeom prst="rect">
+            <a:avLst/>
+          </a:prstGeom>
+        </p:spPr>
+      </p:pic>
+      <p:sp>
+        <p:nvSpPr>
+          <p:cNvPr id="6" name="TextBox 5">
+            <a:extLst>
+              <a:ext uri="{FF2B5EF4-FFF2-40B4-BE49-F238E27FC236}">
+                <a16:creationId xmlns:a16="http://schemas.microsoft.com/office/drawing/2014/main" id="{41FC0304-7F61-FDD7-B23A-57DAAAC3929E}"/>
               </a:ext>
             </a:extLst>
           </p:cNvPr>
@@ -3571,8 +3754,8 @@
         </p:nvSpPr>
         <p:spPr>
           <a:xfrm>
-            <a:off x="1209963" y="1921164"/>
-            <a:ext cx="2907784" cy="369332"/>
+            <a:off x="6572250" y="4857750"/>
+            <a:ext cx="5038559" cy="1477328"/>
           </a:xfrm>
           <a:prstGeom prst="rect">
             <a:avLst/>
@@ -3587,50 +3770,580 @@
           <a:p>
             <a:r>
               <a:rPr lang="en-US" altLang="ko-KR" dirty="0"/>
-              <a:t>UNIST</a:t>
+              <a:t>(</a:t>
+            </a:r>
+            <a:r>
+              <a:rPr lang="ko-KR" altLang="en-US" dirty="0" err="1"/>
+              <a:t>보라카이</a:t>
             </a:r>
             <a:r>
               <a:rPr lang="ko-KR" altLang="en-US" dirty="0"/>
-              <a:t> </a:t>
+              <a:t> 숙소요금은 </a:t>
             </a:r>
             <a:r>
               <a:rPr lang="en-US" altLang="ko-KR" dirty="0"/>
-              <a:t>IVF</a:t>
+              <a:t>1/n</a:t>
             </a:r>
             <a:r>
               <a:rPr lang="ko-KR" altLang="en-US" dirty="0"/>
-              <a:t>  </a:t>
+              <a:t>한다고 가정</a:t>
             </a:r>
             <a:r>
               <a:rPr lang="en-US" altLang="ko-KR" dirty="0"/>
-              <a:t>-&gt;</a:t>
-            </a:r>
+              <a:t>)</a:t>
+            </a:r>
+          </a:p>
+          <a:p>
             <a:r>
               <a:rPr lang="ko-KR" altLang="en-US" dirty="0"/>
-              <a:t>  </a:t>
+              <a:t>예상 운용 가능 회비</a:t>
             </a:r>
             <a:r>
               <a:rPr lang="en-US" altLang="ko-KR" dirty="0"/>
-              <a:t>UPLB</a:t>
+              <a:t>: 1,607,221 </a:t>
             </a:r>
             <a:r>
               <a:rPr lang="ko-KR" altLang="en-US" dirty="0"/>
-              <a:t> </a:t>
+              <a:t>원 </a:t>
             </a:r>
             <a:r>
               <a:rPr lang="en-US" altLang="ko-KR" dirty="0"/>
-              <a:t>IVCF</a:t>
+              <a:t>+ @</a:t>
+            </a:r>
+          </a:p>
+          <a:p>
+            <a:endParaRPr lang="en-US" altLang="ko-KR" dirty="0"/>
+          </a:p>
+          <a:p>
+            <a:r>
+              <a:rPr lang="en-US" altLang="ko-KR" dirty="0"/>
+              <a:t>(</a:t>
+            </a:r>
+            <a:r>
+              <a:rPr lang="ko-KR" altLang="en-US" dirty="0" err="1"/>
+              <a:t>보라카이</a:t>
+            </a:r>
+            <a:r>
+              <a:rPr lang="ko-KR" altLang="en-US" dirty="0"/>
+              <a:t> 숙소요금 회비에서 지출한다고 가정</a:t>
+            </a:r>
+            <a:r>
+              <a:rPr lang="en-US" altLang="ko-KR" dirty="0"/>
+              <a:t>)</a:t>
+            </a:r>
+          </a:p>
+          <a:p>
+            <a:r>
+              <a:rPr lang="ko-KR" altLang="en-US" dirty="0"/>
+              <a:t>예상 운용 가능 회비</a:t>
+            </a:r>
+            <a:r>
+              <a:rPr lang="en-US" altLang="ko-KR" dirty="0"/>
+              <a:t>: 1,365,952 </a:t>
+            </a:r>
+            <a:r>
+              <a:rPr lang="ko-KR" altLang="en-US" dirty="0"/>
+              <a:t>원 </a:t>
+            </a:r>
+            <a:r>
+              <a:rPr lang="en-US" altLang="ko-KR" dirty="0"/>
+              <a:t>+ @</a:t>
             </a:r>
             <a:endParaRPr lang="ko-KR" altLang="en-US" dirty="0"/>
           </a:p>
         </p:txBody>
       </p:sp>
-      <p:sp>
-        <p:nvSpPr>
-          <p:cNvPr id="3" name="TextBox 2">
-            <a:extLst>
-              <a:ext uri="{FF2B5EF4-FFF2-40B4-BE49-F238E27FC236}">
-                <a16:creationId xmlns:a16="http://schemas.microsoft.com/office/drawing/2014/main" id="{D4292E40-10D6-905F-7A6B-B2B91FAF0FC5}"/>
+    </p:spTree>
+    <p:extLst>
+      <p:ext uri="{BB962C8B-B14F-4D97-AF65-F5344CB8AC3E}">
+        <p14:creationId xmlns:p14="http://schemas.microsoft.com/office/powerpoint/2010/main" val="4279317349"/>
+      </p:ext>
+    </p:extLst>
+  </p:cSld>
+  <p:clrMapOvr>
+    <a:masterClrMapping/>
+  </p:clrMapOvr>
+</p:sld>
+</file>
+
+<file path=ppt/slides/slide5.xml><?xml version="1.0" encoding="utf-8"?>
+<p:sld xmlns:a="http://schemas.openxmlformats.org/drawingml/2006/main" xmlns:r="http://schemas.openxmlformats.org/officeDocument/2006/relationships" xmlns:p="http://schemas.openxmlformats.org/presentationml/2006/main">
+  <p:cSld>
+    <p:spTree>
+      <p:nvGrpSpPr>
+        <p:cNvPr id="1" name=""/>
+        <p:cNvGrpSpPr/>
+        <p:nvPr/>
+      </p:nvGrpSpPr>
+      <p:grpSpPr>
+        <a:xfrm>
+          <a:off x="0" y="0"/>
+          <a:ext cx="0" cy="0"/>
+          <a:chOff x="0" y="0"/>
+          <a:chExt cx="0" cy="0"/>
+        </a:xfrm>
+      </p:grpSpPr>
+      <p:sp>
+        <p:nvSpPr>
+          <p:cNvPr id="2" name="사각형: 둥근 모서리 1">
+            <a:extLst>
+              <a:ext uri="{FF2B5EF4-FFF2-40B4-BE49-F238E27FC236}">
+                <a16:creationId xmlns:a16="http://schemas.microsoft.com/office/drawing/2014/main" id="{A36D0311-92AA-51BC-A765-1F3206905947}"/>
+              </a:ext>
+            </a:extLst>
+          </p:cNvPr>
+          <p:cNvSpPr/>
+          <p:nvPr/>
+        </p:nvSpPr>
+        <p:spPr>
+          <a:xfrm>
+            <a:off x="1037359" y="777319"/>
+            <a:ext cx="1200150" cy="466725"/>
+          </a:xfrm>
+          <a:prstGeom prst="roundRect">
+            <a:avLst/>
+          </a:prstGeom>
+        </p:spPr>
+        <p:style>
+          <a:lnRef idx="2">
+            <a:schemeClr val="accent1">
+              <a:shade val="15000"/>
+            </a:schemeClr>
+          </a:lnRef>
+          <a:fillRef idx="1">
+            <a:schemeClr val="accent1"/>
+          </a:fillRef>
+          <a:effectRef idx="0">
+            <a:schemeClr val="accent1"/>
+          </a:effectRef>
+          <a:fontRef idx="minor">
+            <a:schemeClr val="lt1"/>
+          </a:fontRef>
+        </p:style>
+        <p:txBody>
+          <a:bodyPr rtlCol="0" anchor="ctr"/>
+          <a:lstStyle/>
+          <a:p>
+            <a:pPr algn="ctr"/>
+            <a:r>
+              <a:rPr lang="en-US" altLang="ko-KR" dirty="0"/>
+              <a:t>8/5 (</a:t>
+            </a:r>
+            <a:r>
+              <a:rPr lang="ko-KR" altLang="en-US" dirty="0"/>
+              <a:t>화</a:t>
+            </a:r>
+            <a:r>
+              <a:rPr lang="en-US" altLang="ko-KR" dirty="0"/>
+              <a:t>)</a:t>
+            </a:r>
+            <a:endParaRPr lang="ko-KR" altLang="en-US" dirty="0"/>
+          </a:p>
+        </p:txBody>
+      </p:sp>
+      <p:sp>
+        <p:nvSpPr>
+          <p:cNvPr id="3" name="사각형: 둥근 모서리 2">
+            <a:extLst>
+              <a:ext uri="{FF2B5EF4-FFF2-40B4-BE49-F238E27FC236}">
+                <a16:creationId xmlns:a16="http://schemas.microsoft.com/office/drawing/2014/main" id="{76B6749B-CD6D-55A4-827B-632243CB2E21}"/>
+              </a:ext>
+            </a:extLst>
+          </p:cNvPr>
+          <p:cNvSpPr/>
+          <p:nvPr/>
+        </p:nvSpPr>
+        <p:spPr>
+          <a:xfrm>
+            <a:off x="2505941" y="777319"/>
+            <a:ext cx="1200150" cy="466725"/>
+          </a:xfrm>
+          <a:prstGeom prst="roundRect">
+            <a:avLst/>
+          </a:prstGeom>
+        </p:spPr>
+        <p:style>
+          <a:lnRef idx="2">
+            <a:schemeClr val="accent1">
+              <a:shade val="15000"/>
+            </a:schemeClr>
+          </a:lnRef>
+          <a:fillRef idx="1">
+            <a:schemeClr val="accent1"/>
+          </a:fillRef>
+          <a:effectRef idx="0">
+            <a:schemeClr val="accent1"/>
+          </a:effectRef>
+          <a:fontRef idx="minor">
+            <a:schemeClr val="lt1"/>
+          </a:fontRef>
+        </p:style>
+        <p:txBody>
+          <a:bodyPr rtlCol="0" anchor="ctr"/>
+          <a:lstStyle/>
+          <a:p>
+            <a:pPr algn="ctr"/>
+            <a:r>
+              <a:rPr lang="en-US" altLang="ko-KR" dirty="0"/>
+              <a:t>8/6 (</a:t>
+            </a:r>
+            <a:r>
+              <a:rPr lang="ko-KR" altLang="en-US" dirty="0"/>
+              <a:t>수</a:t>
+            </a:r>
+            <a:r>
+              <a:rPr lang="en-US" altLang="ko-KR" dirty="0"/>
+              <a:t>)</a:t>
+            </a:r>
+            <a:endParaRPr lang="ko-KR" altLang="en-US" dirty="0"/>
+          </a:p>
+        </p:txBody>
+      </p:sp>
+      <p:sp>
+        <p:nvSpPr>
+          <p:cNvPr id="4" name="사각형: 둥근 모서리 3">
+            <a:extLst>
+              <a:ext uri="{FF2B5EF4-FFF2-40B4-BE49-F238E27FC236}">
+                <a16:creationId xmlns:a16="http://schemas.microsoft.com/office/drawing/2014/main" id="{36ABA9A3-3069-CF18-E77C-8EA752CE3852}"/>
+              </a:ext>
+            </a:extLst>
+          </p:cNvPr>
+          <p:cNvSpPr/>
+          <p:nvPr/>
+        </p:nvSpPr>
+        <p:spPr>
+          <a:xfrm>
+            <a:off x="3974523" y="777319"/>
+            <a:ext cx="1200150" cy="466725"/>
+          </a:xfrm>
+          <a:prstGeom prst="roundRect">
+            <a:avLst/>
+          </a:prstGeom>
+        </p:spPr>
+        <p:style>
+          <a:lnRef idx="2">
+            <a:schemeClr val="accent2">
+              <a:shade val="15000"/>
+            </a:schemeClr>
+          </a:lnRef>
+          <a:fillRef idx="1">
+            <a:schemeClr val="accent2"/>
+          </a:fillRef>
+          <a:effectRef idx="0">
+            <a:schemeClr val="accent2"/>
+          </a:effectRef>
+          <a:fontRef idx="minor">
+            <a:schemeClr val="lt1"/>
+          </a:fontRef>
+        </p:style>
+        <p:txBody>
+          <a:bodyPr rtlCol="0" anchor="ctr"/>
+          <a:lstStyle/>
+          <a:p>
+            <a:pPr algn="ctr"/>
+            <a:r>
+              <a:rPr lang="en-US" altLang="ko-KR" dirty="0"/>
+              <a:t>8/7 (</a:t>
+            </a:r>
+            <a:r>
+              <a:rPr lang="ko-KR" altLang="en-US" dirty="0"/>
+              <a:t>목</a:t>
+            </a:r>
+            <a:r>
+              <a:rPr lang="en-US" altLang="ko-KR" dirty="0"/>
+              <a:t>)</a:t>
+            </a:r>
+            <a:endParaRPr lang="ko-KR" altLang="en-US" dirty="0"/>
+          </a:p>
+        </p:txBody>
+      </p:sp>
+      <p:sp>
+        <p:nvSpPr>
+          <p:cNvPr id="5" name="사각형: 둥근 모서리 4">
+            <a:extLst>
+              <a:ext uri="{FF2B5EF4-FFF2-40B4-BE49-F238E27FC236}">
+                <a16:creationId xmlns:a16="http://schemas.microsoft.com/office/drawing/2014/main" id="{21AAE39C-D607-1E23-2439-4F1C27BACD7C}"/>
+              </a:ext>
+            </a:extLst>
+          </p:cNvPr>
+          <p:cNvSpPr/>
+          <p:nvPr/>
+        </p:nvSpPr>
+        <p:spPr>
+          <a:xfrm>
+            <a:off x="5443105" y="777319"/>
+            <a:ext cx="1200150" cy="466725"/>
+          </a:xfrm>
+          <a:prstGeom prst="roundRect">
+            <a:avLst/>
+          </a:prstGeom>
+        </p:spPr>
+        <p:style>
+          <a:lnRef idx="2">
+            <a:schemeClr val="accent1">
+              <a:shade val="15000"/>
+            </a:schemeClr>
+          </a:lnRef>
+          <a:fillRef idx="1">
+            <a:schemeClr val="accent1"/>
+          </a:fillRef>
+          <a:effectRef idx="0">
+            <a:schemeClr val="accent1"/>
+          </a:effectRef>
+          <a:fontRef idx="minor">
+            <a:schemeClr val="lt1"/>
+          </a:fontRef>
+        </p:style>
+        <p:txBody>
+          <a:bodyPr rtlCol="0" anchor="ctr"/>
+          <a:lstStyle/>
+          <a:p>
+            <a:pPr algn="ctr"/>
+            <a:r>
+              <a:rPr lang="en-US" altLang="ko-KR" dirty="0"/>
+              <a:t>8/8 (</a:t>
+            </a:r>
+            <a:r>
+              <a:rPr lang="ko-KR" altLang="en-US" dirty="0"/>
+              <a:t>금</a:t>
+            </a:r>
+            <a:r>
+              <a:rPr lang="en-US" altLang="ko-KR" dirty="0"/>
+              <a:t>)</a:t>
+            </a:r>
+            <a:endParaRPr lang="ko-KR" altLang="en-US" dirty="0"/>
+          </a:p>
+        </p:txBody>
+      </p:sp>
+      <p:sp>
+        <p:nvSpPr>
+          <p:cNvPr id="6" name="사각형: 둥근 모서리 5">
+            <a:extLst>
+              <a:ext uri="{FF2B5EF4-FFF2-40B4-BE49-F238E27FC236}">
+                <a16:creationId xmlns:a16="http://schemas.microsoft.com/office/drawing/2014/main" id="{46A1F318-705F-ABBE-45D1-196B45778420}"/>
+              </a:ext>
+            </a:extLst>
+          </p:cNvPr>
+          <p:cNvSpPr/>
+          <p:nvPr/>
+        </p:nvSpPr>
+        <p:spPr>
+          <a:xfrm>
+            <a:off x="6911687" y="777319"/>
+            <a:ext cx="1200150" cy="466725"/>
+          </a:xfrm>
+          <a:prstGeom prst="roundRect">
+            <a:avLst/>
+          </a:prstGeom>
+        </p:spPr>
+        <p:style>
+          <a:lnRef idx="2">
+            <a:schemeClr val="accent1">
+              <a:shade val="15000"/>
+            </a:schemeClr>
+          </a:lnRef>
+          <a:fillRef idx="1">
+            <a:schemeClr val="accent1"/>
+          </a:fillRef>
+          <a:effectRef idx="0">
+            <a:schemeClr val="accent1"/>
+          </a:effectRef>
+          <a:fontRef idx="minor">
+            <a:schemeClr val="lt1"/>
+          </a:fontRef>
+        </p:style>
+        <p:txBody>
+          <a:bodyPr rtlCol="0" anchor="ctr"/>
+          <a:lstStyle/>
+          <a:p>
+            <a:pPr algn="ctr"/>
+            <a:r>
+              <a:rPr lang="en-US" altLang="ko-KR" dirty="0"/>
+              <a:t>8/9 (</a:t>
+            </a:r>
+            <a:r>
+              <a:rPr lang="ko-KR" altLang="en-US" dirty="0"/>
+              <a:t>토</a:t>
+            </a:r>
+            <a:r>
+              <a:rPr lang="en-US" altLang="ko-KR" dirty="0"/>
+              <a:t>)</a:t>
+            </a:r>
+            <a:endParaRPr lang="ko-KR" altLang="en-US" dirty="0"/>
+          </a:p>
+        </p:txBody>
+      </p:sp>
+      <p:sp>
+        <p:nvSpPr>
+          <p:cNvPr id="7" name="사각형: 둥근 모서리 6">
+            <a:extLst>
+              <a:ext uri="{FF2B5EF4-FFF2-40B4-BE49-F238E27FC236}">
+                <a16:creationId xmlns:a16="http://schemas.microsoft.com/office/drawing/2014/main" id="{87AF2ABA-082B-A10E-2FB0-FACCA9E62537}"/>
+              </a:ext>
+            </a:extLst>
+          </p:cNvPr>
+          <p:cNvSpPr/>
+          <p:nvPr/>
+        </p:nvSpPr>
+        <p:spPr>
+          <a:xfrm>
+            <a:off x="8380269" y="777319"/>
+            <a:ext cx="1200150" cy="466725"/>
+          </a:xfrm>
+          <a:prstGeom prst="roundRect">
+            <a:avLst/>
+          </a:prstGeom>
+        </p:spPr>
+        <p:style>
+          <a:lnRef idx="2">
+            <a:schemeClr val="accent1">
+              <a:shade val="15000"/>
+            </a:schemeClr>
+          </a:lnRef>
+          <a:fillRef idx="1">
+            <a:schemeClr val="accent1"/>
+          </a:fillRef>
+          <a:effectRef idx="0">
+            <a:schemeClr val="accent1"/>
+          </a:effectRef>
+          <a:fontRef idx="minor">
+            <a:schemeClr val="lt1"/>
+          </a:fontRef>
+        </p:style>
+        <p:txBody>
+          <a:bodyPr rtlCol="0" anchor="ctr"/>
+          <a:lstStyle/>
+          <a:p>
+            <a:pPr algn="ctr"/>
+            <a:r>
+              <a:rPr lang="en-US" altLang="ko-KR" sz="1600" dirty="0"/>
+              <a:t>8/10 (</a:t>
+            </a:r>
+            <a:r>
+              <a:rPr lang="ko-KR" altLang="en-US" sz="1600" dirty="0"/>
+              <a:t>주일</a:t>
+            </a:r>
+            <a:r>
+              <a:rPr lang="en-US" altLang="ko-KR" sz="1600" dirty="0"/>
+              <a:t>)</a:t>
+            </a:r>
+            <a:endParaRPr lang="ko-KR" altLang="en-US" sz="1600" dirty="0"/>
+          </a:p>
+        </p:txBody>
+      </p:sp>
+      <p:sp>
+        <p:nvSpPr>
+          <p:cNvPr id="8" name="사각형: 둥근 모서리 7">
+            <a:extLst>
+              <a:ext uri="{FF2B5EF4-FFF2-40B4-BE49-F238E27FC236}">
+                <a16:creationId xmlns:a16="http://schemas.microsoft.com/office/drawing/2014/main" id="{36486EE2-7E8A-DAA0-3CDF-71A8C4EC44B7}"/>
+              </a:ext>
+            </a:extLst>
+          </p:cNvPr>
+          <p:cNvSpPr/>
+          <p:nvPr/>
+        </p:nvSpPr>
+        <p:spPr>
+          <a:xfrm>
+            <a:off x="9848851" y="777319"/>
+            <a:ext cx="1200150" cy="466725"/>
+          </a:xfrm>
+          <a:prstGeom prst="roundRect">
+            <a:avLst/>
+          </a:prstGeom>
+        </p:spPr>
+        <p:style>
+          <a:lnRef idx="2">
+            <a:schemeClr val="accent1">
+              <a:shade val="15000"/>
+            </a:schemeClr>
+          </a:lnRef>
+          <a:fillRef idx="1">
+            <a:schemeClr val="accent1"/>
+          </a:fillRef>
+          <a:effectRef idx="0">
+            <a:schemeClr val="accent1"/>
+          </a:effectRef>
+          <a:fontRef idx="minor">
+            <a:schemeClr val="lt1"/>
+          </a:fontRef>
+        </p:style>
+        <p:txBody>
+          <a:bodyPr rtlCol="0" anchor="ctr"/>
+          <a:lstStyle/>
+          <a:p>
+            <a:pPr algn="ctr"/>
+            <a:r>
+              <a:rPr lang="en-US" altLang="ko-KR" dirty="0"/>
+              <a:t>8/11 (</a:t>
+            </a:r>
+            <a:r>
+              <a:rPr lang="ko-KR" altLang="en-US" dirty="0"/>
+              <a:t>월</a:t>
+            </a:r>
+            <a:r>
+              <a:rPr lang="en-US" altLang="ko-KR" dirty="0"/>
+              <a:t>)</a:t>
+            </a:r>
+            <a:endParaRPr lang="ko-KR" altLang="en-US" dirty="0"/>
+          </a:p>
+        </p:txBody>
+      </p:sp>
+      <p:sp>
+        <p:nvSpPr>
+          <p:cNvPr id="9" name="별: 꼭짓점 5개 8">
+            <a:extLst>
+              <a:ext uri="{FF2B5EF4-FFF2-40B4-BE49-F238E27FC236}">
+                <a16:creationId xmlns:a16="http://schemas.microsoft.com/office/drawing/2014/main" id="{BB41F904-CF46-F4E4-6EC9-1034C49995EF}"/>
+              </a:ext>
+            </a:extLst>
+          </p:cNvPr>
+          <p:cNvSpPr/>
+          <p:nvPr/>
+        </p:nvSpPr>
+        <p:spPr>
+          <a:xfrm>
+            <a:off x="4979266" y="563296"/>
+            <a:ext cx="329623" cy="329623"/>
+          </a:xfrm>
+          <a:prstGeom prst="star5">
+            <a:avLst/>
+          </a:prstGeom>
+          <a:solidFill>
+            <a:srgbClr val="FFFF00"/>
+          </a:solidFill>
+        </p:spPr>
+        <p:style>
+          <a:lnRef idx="2">
+            <a:schemeClr val="accent1">
+              <a:shade val="15000"/>
+            </a:schemeClr>
+          </a:lnRef>
+          <a:fillRef idx="1">
+            <a:schemeClr val="accent1"/>
+          </a:fillRef>
+          <a:effectRef idx="0">
+            <a:schemeClr val="accent1"/>
+          </a:effectRef>
+          <a:fontRef idx="minor">
+            <a:schemeClr val="lt1"/>
+          </a:fontRef>
+        </p:style>
+        <p:txBody>
+          <a:bodyPr rtlCol="0" anchor="ctr"/>
+          <a:lstStyle/>
+          <a:p>
+            <a:pPr algn="ctr"/>
+            <a:endParaRPr lang="ko-KR" altLang="en-US"/>
+          </a:p>
+        </p:txBody>
+      </p:sp>
+      <p:sp>
+        <p:nvSpPr>
+          <p:cNvPr id="10" name="TextBox 9">
+            <a:extLst>
+              <a:ext uri="{FF2B5EF4-FFF2-40B4-BE49-F238E27FC236}">
+                <a16:creationId xmlns:a16="http://schemas.microsoft.com/office/drawing/2014/main" id="{58B348A1-287B-8F0A-1627-D3336C8DA3F3}"/>
               </a:ext>
             </a:extLst>
           </p:cNvPr>
@@ -3639,8 +4352,8 @@
         </p:nvSpPr>
         <p:spPr>
           <a:xfrm>
-            <a:off x="1209963" y="4382839"/>
-            <a:ext cx="2907784" cy="369332"/>
+            <a:off x="7970982" y="193964"/>
+            <a:ext cx="2412840" cy="369332"/>
           </a:xfrm>
           <a:prstGeom prst="rect">
             <a:avLst/>
@@ -3655,15 +4368,15 @@
           <a:p>
             <a:r>
               <a:rPr lang="en-US" altLang="ko-KR" dirty="0"/>
-              <a:t>UPLB IVCF  -&gt;</a:t>
+              <a:t>* </a:t>
             </a:r>
             <a:r>
               <a:rPr lang="ko-KR" altLang="en-US" dirty="0"/>
-              <a:t>  </a:t>
+              <a:t>숙소 제공</a:t>
             </a:r>
             <a:r>
               <a:rPr lang="en-US" altLang="ko-KR" dirty="0"/>
-              <a:t>UNIST IVF</a:t>
+              <a:t>: 8/4-8/12</a:t>
             </a:r>
             <a:endParaRPr lang="ko-KR" altLang="en-US" dirty="0"/>
           </a:p>
@@ -3671,10 +4384,10 @@
       </p:sp>
       <p:sp>
         <p:nvSpPr>
-          <p:cNvPr id="4" name="TextBox 3">
-            <a:extLst>
-              <a:ext uri="{FF2B5EF4-FFF2-40B4-BE49-F238E27FC236}">
-                <a16:creationId xmlns:a16="http://schemas.microsoft.com/office/drawing/2014/main" id="{C6A500FB-53BC-379E-CD2E-D43875290E42}"/>
+          <p:cNvPr id="11" name="TextBox 10">
+            <a:extLst>
+              <a:ext uri="{FF2B5EF4-FFF2-40B4-BE49-F238E27FC236}">
+                <a16:creationId xmlns:a16="http://schemas.microsoft.com/office/drawing/2014/main" id="{48D928F4-1040-9C38-0561-D721CCE20074}"/>
               </a:ext>
             </a:extLst>
           </p:cNvPr>
@@ -3683,8 +4396,8 @@
         </p:nvSpPr>
         <p:spPr>
           <a:xfrm>
-            <a:off x="2225273" y="1302327"/>
-            <a:ext cx="877163" cy="369332"/>
+            <a:off x="3147116" y="2141399"/>
+            <a:ext cx="5897768" cy="1569660"/>
           </a:xfrm>
           <a:prstGeom prst="rect">
             <a:avLst/>
@@ -3698,19 +4411,23 @@
           <a:lstStyle/>
           <a:p>
             <a:r>
-              <a:rPr lang="en-US" altLang="ko-KR" dirty="0"/>
-              <a:t>7/9-19</a:t>
-            </a:r>
-            <a:endParaRPr lang="ko-KR" altLang="en-US" dirty="0"/>
-          </a:p>
-        </p:txBody>
-      </p:sp>
-      <p:sp>
-        <p:nvSpPr>
-          <p:cNvPr id="5" name="TextBox 4">
-            <a:extLst>
-              <a:ext uri="{FF2B5EF4-FFF2-40B4-BE49-F238E27FC236}">
-                <a16:creationId xmlns:a16="http://schemas.microsoft.com/office/drawing/2014/main" id="{ECA82AC4-02C2-27EE-F6FF-800CDA5317AD}"/>
+              <a:rPr lang="ko-KR" altLang="en-US" sz="9600" dirty="0"/>
+              <a:t>활동 계획</a:t>
+            </a:r>
+            <a:r>
+              <a:rPr lang="en-US" altLang="ko-KR" sz="9600" dirty="0"/>
+              <a:t>!</a:t>
+            </a:r>
+            <a:endParaRPr lang="ko-KR" altLang="en-US" sz="9600" dirty="0"/>
+          </a:p>
+        </p:txBody>
+      </p:sp>
+      <p:sp>
+        <p:nvSpPr>
+          <p:cNvPr id="12" name="TextBox 11">
+            <a:extLst>
+              <a:ext uri="{FF2B5EF4-FFF2-40B4-BE49-F238E27FC236}">
+                <a16:creationId xmlns:a16="http://schemas.microsoft.com/office/drawing/2014/main" id="{E2000629-0F3A-B3AB-1B2E-1DFDA030F942}"/>
               </a:ext>
             </a:extLst>
           </p:cNvPr>
@@ -3719,8 +4436,8 @@
         </p:nvSpPr>
         <p:spPr>
           <a:xfrm>
-            <a:off x="2225273" y="3823855"/>
-            <a:ext cx="708848" cy="369332"/>
+            <a:off x="4524095" y="4326355"/>
+            <a:ext cx="3339376" cy="1754326"/>
           </a:xfrm>
           <a:prstGeom prst="rect">
             <a:avLst/>
@@ -3733,9 +4450,182 @@
           </a:bodyPr>
           <a:lstStyle/>
           <a:p>
+            <a:pPr marL="285750" indent="-285750">
+              <a:buFont typeface="Arial" panose="020B0604020202020204" pitchFamily="34" charset="0"/>
+              <a:buChar char="•"/>
+            </a:pPr>
             <a:r>
               <a:rPr lang="en-US" altLang="ko-KR" dirty="0"/>
-              <a:t>8/?-?</a:t>
+              <a:t>IVF</a:t>
+            </a:r>
+            <a:r>
+              <a:rPr lang="ko-KR" altLang="en-US" dirty="0"/>
+              <a:t>에서는 무엇을 하는가</a:t>
+            </a:r>
+            <a:r>
+              <a:rPr lang="en-US" altLang="ko-KR" dirty="0"/>
+              <a:t>?</a:t>
+            </a:r>
+          </a:p>
+          <a:p>
+            <a:pPr marL="285750" indent="-285750">
+              <a:buFont typeface="Arial" panose="020B0604020202020204" pitchFamily="34" charset="0"/>
+              <a:buChar char="•"/>
+            </a:pPr>
+            <a:r>
+              <a:rPr lang="ko-KR" altLang="en-US" dirty="0"/>
+              <a:t>현지 교회 가보기</a:t>
+            </a:r>
+            <a:endParaRPr lang="en-US" altLang="ko-KR" dirty="0"/>
+          </a:p>
+          <a:p>
+            <a:pPr marL="285750" indent="-285750">
+              <a:buFont typeface="Arial" panose="020B0604020202020204" pitchFamily="34" charset="0"/>
+              <a:buChar char="•"/>
+            </a:pPr>
+            <a:r>
+              <a:rPr lang="ko-KR" altLang="en-US" dirty="0"/>
+              <a:t>경주월드 가기</a:t>
+            </a:r>
+            <a:endParaRPr lang="en-US" altLang="ko-KR" dirty="0"/>
+          </a:p>
+          <a:p>
+            <a:pPr marL="285750" indent="-285750">
+              <a:buFont typeface="Arial" panose="020B0604020202020204" pitchFamily="34" charset="0"/>
+              <a:buChar char="•"/>
+            </a:pPr>
+            <a:r>
+              <a:rPr lang="ko-KR" altLang="en-US" dirty="0"/>
+              <a:t>한국의 역사 및 문화</a:t>
+            </a:r>
+            <a:endParaRPr lang="en-US" altLang="ko-KR" dirty="0"/>
+          </a:p>
+          <a:p>
+            <a:pPr marL="285750" indent="-285750">
+              <a:buFont typeface="Arial" panose="020B0604020202020204" pitchFamily="34" charset="0"/>
+              <a:buChar char="•"/>
+            </a:pPr>
+            <a:r>
+              <a:rPr lang="ko-KR" altLang="en-US" dirty="0"/>
+              <a:t>한국의 기독교 역사 및 문화</a:t>
+            </a:r>
+            <a:endParaRPr lang="en-US" altLang="ko-KR" dirty="0"/>
+          </a:p>
+          <a:p>
+            <a:pPr marL="285750" indent="-285750">
+              <a:buFont typeface="Arial" panose="020B0604020202020204" pitchFamily="34" charset="0"/>
+              <a:buChar char="•"/>
+            </a:pPr>
+            <a:r>
+              <a:rPr lang="en-US" altLang="ko-KR" dirty="0"/>
+              <a:t>… </a:t>
+            </a:r>
+            <a:r>
+              <a:rPr lang="ko-KR" altLang="en-US" dirty="0"/>
+              <a:t>등등</a:t>
+            </a:r>
+          </a:p>
+        </p:txBody>
+      </p:sp>
+      <p:sp>
+        <p:nvSpPr>
+          <p:cNvPr id="13" name="TextBox 12">
+            <a:extLst>
+              <a:ext uri="{FF2B5EF4-FFF2-40B4-BE49-F238E27FC236}">
+                <a16:creationId xmlns:a16="http://schemas.microsoft.com/office/drawing/2014/main" id="{5F7147E3-B36B-76DB-0A18-46FC47B91661}"/>
+              </a:ext>
+            </a:extLst>
+          </p:cNvPr>
+          <p:cNvSpPr txBox="1"/>
+          <p:nvPr/>
+        </p:nvSpPr>
+        <p:spPr>
+          <a:xfrm>
+            <a:off x="2724727" y="1487055"/>
+            <a:ext cx="2566728" cy="369332"/>
+          </a:xfrm>
+          <a:prstGeom prst="rect">
+            <a:avLst/>
+          </a:prstGeom>
+          <a:noFill/>
+        </p:spPr>
+        <p:txBody>
+          <a:bodyPr wrap="none" rtlCol="0">
+            <a:spAutoFit/>
+          </a:bodyPr>
+          <a:lstStyle/>
+          <a:p>
+            <a:r>
+              <a:rPr lang="ko-KR" altLang="en-US" dirty="0"/>
+              <a:t>울산</a:t>
+            </a:r>
+            <a:r>
+              <a:rPr lang="en-US" altLang="ko-KR" dirty="0"/>
+              <a:t>(</a:t>
+            </a:r>
+            <a:r>
+              <a:rPr lang="ko-KR" altLang="en-US" dirty="0"/>
+              <a:t>캠퍼스 운동</a:t>
+            </a:r>
+            <a:r>
+              <a:rPr lang="en-US" altLang="ko-KR" dirty="0"/>
+              <a:t> </a:t>
+            </a:r>
+            <a:r>
+              <a:rPr lang="ko-KR" altLang="en-US" dirty="0"/>
+              <a:t>체험</a:t>
+            </a:r>
+            <a:r>
+              <a:rPr lang="en-US" altLang="ko-KR" dirty="0"/>
+              <a:t>)</a:t>
+            </a:r>
+            <a:endParaRPr lang="ko-KR" altLang="en-US" dirty="0"/>
+          </a:p>
+        </p:txBody>
+      </p:sp>
+      <p:sp>
+        <p:nvSpPr>
+          <p:cNvPr id="14" name="TextBox 13">
+            <a:extLst>
+              <a:ext uri="{FF2B5EF4-FFF2-40B4-BE49-F238E27FC236}">
+                <a16:creationId xmlns:a16="http://schemas.microsoft.com/office/drawing/2014/main" id="{DF544CCD-3F0E-D542-DBE1-D5FF92D9E9FB}"/>
+              </a:ext>
+            </a:extLst>
+          </p:cNvPr>
+          <p:cNvSpPr txBox="1"/>
+          <p:nvPr/>
+        </p:nvSpPr>
+        <p:spPr>
+          <a:xfrm>
+            <a:off x="7894038" y="1487055"/>
+            <a:ext cx="2335896" cy="369332"/>
+          </a:xfrm>
+          <a:prstGeom prst="rect">
+            <a:avLst/>
+          </a:prstGeom>
+          <a:noFill/>
+        </p:spPr>
+        <p:txBody>
+          <a:bodyPr wrap="none" rtlCol="0">
+            <a:spAutoFit/>
+          </a:bodyPr>
+          <a:lstStyle/>
+          <a:p>
+            <a:r>
+              <a:rPr lang="ko-KR" altLang="en-US" dirty="0"/>
+              <a:t>경주</a:t>
+            </a:r>
+            <a:r>
+              <a:rPr lang="en-US" altLang="ko-KR" dirty="0"/>
+              <a:t>(</a:t>
+            </a:r>
+            <a:r>
+              <a:rPr lang="ko-KR" altLang="en-US" dirty="0"/>
+              <a:t>한국의 역사 등</a:t>
+            </a:r>
+            <a:r>
+              <a:rPr lang="en-US" altLang="ko-KR" dirty="0"/>
+              <a:t>)</a:t>
             </a:r>
             <a:endParaRPr lang="ko-KR" altLang="en-US" dirty="0"/>
           </a:p>
@@ -3744,7 +4634,7 @@
     </p:spTree>
     <p:extLst>
       <p:ext uri="{BB962C8B-B14F-4D97-AF65-F5344CB8AC3E}">
-        <p14:creationId xmlns:p14="http://schemas.microsoft.com/office/powerpoint/2010/main" val="2995213622"/>
+        <p14:creationId xmlns:p14="http://schemas.microsoft.com/office/powerpoint/2010/main" val="146448369"/>
       </p:ext>
     </p:extLst>
   </p:cSld>

--- a/PPT/week5_필리핀 친구들 맞이할 준비하기_20250401.pptx
+++ b/PPT/week5_필리핀 친구들 맞이할 준비하기_20250401.pptx
@@ -263,7 +263,7 @@
           <a:p>
             <a:fld id="{31BC56AD-70B2-46BD-BB61-4D0D5F54A6B8}" type="datetimeFigureOut">
               <a:rPr lang="ko-KR" altLang="en-US" smtClean="0"/>
-              <a:t>2025-03-28</a:t>
+              <a:t>2025-03-29</a:t>
             </a:fld>
             <a:endParaRPr lang="ko-KR" altLang="en-US"/>
           </a:p>
@@ -461,7 +461,7 @@
           <a:p>
             <a:fld id="{31BC56AD-70B2-46BD-BB61-4D0D5F54A6B8}" type="datetimeFigureOut">
               <a:rPr lang="ko-KR" altLang="en-US" smtClean="0"/>
-              <a:t>2025-03-28</a:t>
+              <a:t>2025-03-29</a:t>
             </a:fld>
             <a:endParaRPr lang="ko-KR" altLang="en-US"/>
           </a:p>
@@ -669,7 +669,7 @@
           <a:p>
             <a:fld id="{31BC56AD-70B2-46BD-BB61-4D0D5F54A6B8}" type="datetimeFigureOut">
               <a:rPr lang="ko-KR" altLang="en-US" smtClean="0"/>
-              <a:t>2025-03-28</a:t>
+              <a:t>2025-03-29</a:t>
             </a:fld>
             <a:endParaRPr lang="ko-KR" altLang="en-US"/>
           </a:p>
@@ -867,7 +867,7 @@
           <a:p>
             <a:fld id="{31BC56AD-70B2-46BD-BB61-4D0D5F54A6B8}" type="datetimeFigureOut">
               <a:rPr lang="ko-KR" altLang="en-US" smtClean="0"/>
-              <a:t>2025-03-28</a:t>
+              <a:t>2025-03-29</a:t>
             </a:fld>
             <a:endParaRPr lang="ko-KR" altLang="en-US"/>
           </a:p>
@@ -1142,7 +1142,7 @@
           <a:p>
             <a:fld id="{31BC56AD-70B2-46BD-BB61-4D0D5F54A6B8}" type="datetimeFigureOut">
               <a:rPr lang="ko-KR" altLang="en-US" smtClean="0"/>
-              <a:t>2025-03-28</a:t>
+              <a:t>2025-03-29</a:t>
             </a:fld>
             <a:endParaRPr lang="ko-KR" altLang="en-US"/>
           </a:p>
@@ -1407,7 +1407,7 @@
           <a:p>
             <a:fld id="{31BC56AD-70B2-46BD-BB61-4D0D5F54A6B8}" type="datetimeFigureOut">
               <a:rPr lang="ko-KR" altLang="en-US" smtClean="0"/>
-              <a:t>2025-03-28</a:t>
+              <a:t>2025-03-29</a:t>
             </a:fld>
             <a:endParaRPr lang="ko-KR" altLang="en-US"/>
           </a:p>
@@ -1819,7 +1819,7 @@
           <a:p>
             <a:fld id="{31BC56AD-70B2-46BD-BB61-4D0D5F54A6B8}" type="datetimeFigureOut">
               <a:rPr lang="ko-KR" altLang="en-US" smtClean="0"/>
-              <a:t>2025-03-28</a:t>
+              <a:t>2025-03-29</a:t>
             </a:fld>
             <a:endParaRPr lang="ko-KR" altLang="en-US"/>
           </a:p>
@@ -1960,7 +1960,7 @@
           <a:p>
             <a:fld id="{31BC56AD-70B2-46BD-BB61-4D0D5F54A6B8}" type="datetimeFigureOut">
               <a:rPr lang="ko-KR" altLang="en-US" smtClean="0"/>
-              <a:t>2025-03-28</a:t>
+              <a:t>2025-03-29</a:t>
             </a:fld>
             <a:endParaRPr lang="ko-KR" altLang="en-US"/>
           </a:p>
@@ -2073,7 +2073,7 @@
           <a:p>
             <a:fld id="{31BC56AD-70B2-46BD-BB61-4D0D5F54A6B8}" type="datetimeFigureOut">
               <a:rPr lang="ko-KR" altLang="en-US" smtClean="0"/>
-              <a:t>2025-03-28</a:t>
+              <a:t>2025-03-29</a:t>
             </a:fld>
             <a:endParaRPr lang="ko-KR" altLang="en-US"/>
           </a:p>
@@ -2384,7 +2384,7 @@
           <a:p>
             <a:fld id="{31BC56AD-70B2-46BD-BB61-4D0D5F54A6B8}" type="datetimeFigureOut">
               <a:rPr lang="ko-KR" altLang="en-US" smtClean="0"/>
-              <a:t>2025-03-28</a:t>
+              <a:t>2025-03-29</a:t>
             </a:fld>
             <a:endParaRPr lang="ko-KR" altLang="en-US"/>
           </a:p>
@@ -2672,7 +2672,7 @@
           <a:p>
             <a:fld id="{31BC56AD-70B2-46BD-BB61-4D0D5F54A6B8}" type="datetimeFigureOut">
               <a:rPr lang="ko-KR" altLang="en-US" smtClean="0"/>
-              <a:t>2025-03-28</a:t>
+              <a:t>2025-03-29</a:t>
             </a:fld>
             <a:endParaRPr lang="ko-KR" altLang="en-US"/>
           </a:p>
@@ -2913,7 +2913,7 @@
           <a:p>
             <a:fld id="{31BC56AD-70B2-46BD-BB61-4D0D5F54A6B8}" type="datetimeFigureOut">
               <a:rPr lang="ko-KR" altLang="en-US" smtClean="0"/>
-              <a:t>2025-03-28</a:t>
+              <a:t>2025-03-29</a:t>
             </a:fld>
             <a:endParaRPr lang="ko-KR" altLang="en-US"/>
           </a:p>
@@ -3682,10 +3682,10 @@
       </p:grpSpPr>
       <p:pic>
         <p:nvPicPr>
-          <p:cNvPr id="3" name="그림 2">
-            <a:extLst>
-              <a:ext uri="{FF2B5EF4-FFF2-40B4-BE49-F238E27FC236}">
-                <a16:creationId xmlns:a16="http://schemas.microsoft.com/office/drawing/2014/main" id="{AE499058-1578-8D95-8265-76DA92BC2C88}"/>
+          <p:cNvPr id="5" name="그림 4">
+            <a:extLst>
+              <a:ext uri="{FF2B5EF4-FFF2-40B4-BE49-F238E27FC236}">
+                <a16:creationId xmlns:a16="http://schemas.microsoft.com/office/drawing/2014/main" id="{8A20A7D8-C8CE-3BA5-9C95-F7CFA77C701A}"/>
               </a:ext>
             </a:extLst>
           </p:cNvPr>
@@ -3696,36 +3696,6 @@
         </p:nvPicPr>
         <p:blipFill>
           <a:blip r:embed="rId2"/>
-          <a:stretch>
-            <a:fillRect/>
-          </a:stretch>
-        </p:blipFill>
-        <p:spPr>
-          <a:xfrm>
-            <a:off x="290145" y="794998"/>
-            <a:ext cx="5268060" cy="4867954"/>
-          </a:xfrm>
-          <a:prstGeom prst="rect">
-            <a:avLst/>
-          </a:prstGeom>
-        </p:spPr>
-      </p:pic>
-      <p:pic>
-        <p:nvPicPr>
-          <p:cNvPr id="5" name="그림 4">
-            <a:extLst>
-              <a:ext uri="{FF2B5EF4-FFF2-40B4-BE49-F238E27FC236}">
-                <a16:creationId xmlns:a16="http://schemas.microsoft.com/office/drawing/2014/main" id="{8A20A7D8-C8CE-3BA5-9C95-F7CFA77C701A}"/>
-              </a:ext>
-            </a:extLst>
-          </p:cNvPr>
-          <p:cNvPicPr>
-            <a:picLocks noChangeAspect="1"/>
-          </p:cNvPicPr>
-          <p:nvPr/>
-        </p:nvPicPr>
-        <p:blipFill>
-          <a:blip r:embed="rId3"/>
           <a:stretch>
             <a:fillRect/>
           </a:stretch>
@@ -3800,7 +3770,7 @@
             </a:r>
             <a:r>
               <a:rPr lang="en-US" altLang="ko-KR" dirty="0"/>
-              <a:t>: 1,607,221 </a:t>
+              <a:t>: 1,707,221 </a:t>
             </a:r>
             <a:r>
               <a:rPr lang="ko-KR" altLang="en-US" dirty="0"/>
@@ -3839,7 +3809,7 @@
             </a:r>
             <a:r>
               <a:rPr lang="en-US" altLang="ko-KR" dirty="0"/>
-              <a:t>: 1,365,952 </a:t>
+              <a:t>: 1,465,952 </a:t>
             </a:r>
             <a:r>
               <a:rPr lang="ko-KR" altLang="en-US" dirty="0"/>
@@ -3853,6 +3823,36 @@
           </a:p>
         </p:txBody>
       </p:sp>
+      <p:pic>
+        <p:nvPicPr>
+          <p:cNvPr id="4" name="그림 3">
+            <a:extLst>
+              <a:ext uri="{FF2B5EF4-FFF2-40B4-BE49-F238E27FC236}">
+                <a16:creationId xmlns:a16="http://schemas.microsoft.com/office/drawing/2014/main" id="{B436C8CD-0D8D-8F82-2069-B3B4F891B3CC}"/>
+              </a:ext>
+            </a:extLst>
+          </p:cNvPr>
+          <p:cNvPicPr>
+            <a:picLocks noChangeAspect="1"/>
+          </p:cNvPicPr>
+          <p:nvPr/>
+        </p:nvPicPr>
+        <p:blipFill>
+          <a:blip r:embed="rId3"/>
+          <a:stretch>
+            <a:fillRect/>
+          </a:stretch>
+        </p:blipFill>
+        <p:spPr>
+          <a:xfrm>
+            <a:off x="304059" y="852128"/>
+            <a:ext cx="5315692" cy="5153744"/>
+          </a:xfrm>
+          <a:prstGeom prst="rect">
+            <a:avLst/>
+          </a:prstGeom>
+        </p:spPr>
+      </p:pic>
     </p:spTree>
     <p:extLst>
       <p:ext uri="{BB962C8B-B14F-4D97-AF65-F5344CB8AC3E}">

--- a/PPT/week5_필리핀 친구들 맞이할 준비하기_20250401.pptx
+++ b/PPT/week5_필리핀 친구들 맞이할 준비하기_20250401.pptx
@@ -9,7 +9,8 @@
     <p:sldId id="257" r:id="rId3"/>
     <p:sldId id="258" r:id="rId4"/>
     <p:sldId id="259" r:id="rId5"/>
-    <p:sldId id="260" r:id="rId6"/>
+    <p:sldId id="261" r:id="rId6"/>
+    <p:sldId id="260" r:id="rId7"/>
   </p:sldIdLst>
   <p:sldSz cx="12192000" cy="6858000"/>
   <p:notesSz cx="6858000" cy="9144000"/>
@@ -263,7 +264,7 @@
           <a:p>
             <a:fld id="{31BC56AD-70B2-46BD-BB61-4D0D5F54A6B8}" type="datetimeFigureOut">
               <a:rPr lang="ko-KR" altLang="en-US" smtClean="0"/>
-              <a:t>2025-03-29</a:t>
+              <a:t>2025-03-31</a:t>
             </a:fld>
             <a:endParaRPr lang="ko-KR" altLang="en-US"/>
           </a:p>
@@ -461,7 +462,7 @@
           <a:p>
             <a:fld id="{31BC56AD-70B2-46BD-BB61-4D0D5F54A6B8}" type="datetimeFigureOut">
               <a:rPr lang="ko-KR" altLang="en-US" smtClean="0"/>
-              <a:t>2025-03-29</a:t>
+              <a:t>2025-03-31</a:t>
             </a:fld>
             <a:endParaRPr lang="ko-KR" altLang="en-US"/>
           </a:p>
@@ -669,7 +670,7 @@
           <a:p>
             <a:fld id="{31BC56AD-70B2-46BD-BB61-4D0D5F54A6B8}" type="datetimeFigureOut">
               <a:rPr lang="ko-KR" altLang="en-US" smtClean="0"/>
-              <a:t>2025-03-29</a:t>
+              <a:t>2025-03-31</a:t>
             </a:fld>
             <a:endParaRPr lang="ko-KR" altLang="en-US"/>
           </a:p>
@@ -867,7 +868,7 @@
           <a:p>
             <a:fld id="{31BC56AD-70B2-46BD-BB61-4D0D5F54A6B8}" type="datetimeFigureOut">
               <a:rPr lang="ko-KR" altLang="en-US" smtClean="0"/>
-              <a:t>2025-03-29</a:t>
+              <a:t>2025-03-31</a:t>
             </a:fld>
             <a:endParaRPr lang="ko-KR" altLang="en-US"/>
           </a:p>
@@ -1142,7 +1143,7 @@
           <a:p>
             <a:fld id="{31BC56AD-70B2-46BD-BB61-4D0D5F54A6B8}" type="datetimeFigureOut">
               <a:rPr lang="ko-KR" altLang="en-US" smtClean="0"/>
-              <a:t>2025-03-29</a:t>
+              <a:t>2025-03-31</a:t>
             </a:fld>
             <a:endParaRPr lang="ko-KR" altLang="en-US"/>
           </a:p>
@@ -1407,7 +1408,7 @@
           <a:p>
             <a:fld id="{31BC56AD-70B2-46BD-BB61-4D0D5F54A6B8}" type="datetimeFigureOut">
               <a:rPr lang="ko-KR" altLang="en-US" smtClean="0"/>
-              <a:t>2025-03-29</a:t>
+              <a:t>2025-03-31</a:t>
             </a:fld>
             <a:endParaRPr lang="ko-KR" altLang="en-US"/>
           </a:p>
@@ -1819,7 +1820,7 @@
           <a:p>
             <a:fld id="{31BC56AD-70B2-46BD-BB61-4D0D5F54A6B8}" type="datetimeFigureOut">
               <a:rPr lang="ko-KR" altLang="en-US" smtClean="0"/>
-              <a:t>2025-03-29</a:t>
+              <a:t>2025-03-31</a:t>
             </a:fld>
             <a:endParaRPr lang="ko-KR" altLang="en-US"/>
           </a:p>
@@ -1960,7 +1961,7 @@
           <a:p>
             <a:fld id="{31BC56AD-70B2-46BD-BB61-4D0D5F54A6B8}" type="datetimeFigureOut">
               <a:rPr lang="ko-KR" altLang="en-US" smtClean="0"/>
-              <a:t>2025-03-29</a:t>
+              <a:t>2025-03-31</a:t>
             </a:fld>
             <a:endParaRPr lang="ko-KR" altLang="en-US"/>
           </a:p>
@@ -2073,7 +2074,7 @@
           <a:p>
             <a:fld id="{31BC56AD-70B2-46BD-BB61-4D0D5F54A6B8}" type="datetimeFigureOut">
               <a:rPr lang="ko-KR" altLang="en-US" smtClean="0"/>
-              <a:t>2025-03-29</a:t>
+              <a:t>2025-03-31</a:t>
             </a:fld>
             <a:endParaRPr lang="ko-KR" altLang="en-US"/>
           </a:p>
@@ -2384,7 +2385,7 @@
           <a:p>
             <a:fld id="{31BC56AD-70B2-46BD-BB61-4D0D5F54A6B8}" type="datetimeFigureOut">
               <a:rPr lang="ko-KR" altLang="en-US" smtClean="0"/>
-              <a:t>2025-03-29</a:t>
+              <a:t>2025-03-31</a:t>
             </a:fld>
             <a:endParaRPr lang="ko-KR" altLang="en-US"/>
           </a:p>
@@ -2672,7 +2673,7 @@
           <a:p>
             <a:fld id="{31BC56AD-70B2-46BD-BB61-4D0D5F54A6B8}" type="datetimeFigureOut">
               <a:rPr lang="ko-KR" altLang="en-US" smtClean="0"/>
-              <a:t>2025-03-29</a:t>
+              <a:t>2025-03-31</a:t>
             </a:fld>
             <a:endParaRPr lang="ko-KR" altLang="en-US"/>
           </a:p>
@@ -2913,7 +2914,7 @@
           <a:p>
             <a:fld id="{31BC56AD-70B2-46BD-BB61-4D0D5F54A6B8}" type="datetimeFigureOut">
               <a:rPr lang="ko-KR" altLang="en-US" smtClean="0"/>
-              <a:t>2025-03-29</a:t>
+              <a:t>2025-03-31</a:t>
             </a:fld>
             <a:endParaRPr lang="ko-KR" altLang="en-US"/>
           </a:p>
@@ -3680,12 +3681,125 @@
           <a:chExt cx="0" cy="0"/>
         </a:xfrm>
       </p:grpSpPr>
+      <p:sp>
+        <p:nvSpPr>
+          <p:cNvPr id="6" name="TextBox 5">
+            <a:extLst>
+              <a:ext uri="{FF2B5EF4-FFF2-40B4-BE49-F238E27FC236}">
+                <a16:creationId xmlns:a16="http://schemas.microsoft.com/office/drawing/2014/main" id="{41FC0304-7F61-FDD7-B23A-57DAAAC3929E}"/>
+              </a:ext>
+            </a:extLst>
+          </p:cNvPr>
+          <p:cNvSpPr txBox="1"/>
+          <p:nvPr/>
+        </p:nvSpPr>
+        <p:spPr>
+          <a:xfrm>
+            <a:off x="6572250" y="4857750"/>
+            <a:ext cx="5038559" cy="1477328"/>
+          </a:xfrm>
+          <a:prstGeom prst="rect">
+            <a:avLst/>
+          </a:prstGeom>
+          <a:noFill/>
+        </p:spPr>
+        <p:txBody>
+          <a:bodyPr wrap="none" rtlCol="0">
+            <a:spAutoFit/>
+          </a:bodyPr>
+          <a:lstStyle/>
+          <a:p>
+            <a:r>
+              <a:rPr lang="en-US" altLang="ko-KR" dirty="0"/>
+              <a:t>(</a:t>
+            </a:r>
+            <a:r>
+              <a:rPr lang="ko-KR" altLang="en-US" dirty="0" err="1"/>
+              <a:t>보라카이</a:t>
+            </a:r>
+            <a:r>
+              <a:rPr lang="ko-KR" altLang="en-US" dirty="0"/>
+              <a:t> 숙소요금은 </a:t>
+            </a:r>
+            <a:r>
+              <a:rPr lang="en-US" altLang="ko-KR" dirty="0"/>
+              <a:t>1/n</a:t>
+            </a:r>
+            <a:r>
+              <a:rPr lang="ko-KR" altLang="en-US" dirty="0"/>
+              <a:t>한다고 가정</a:t>
+            </a:r>
+            <a:r>
+              <a:rPr lang="en-US" altLang="ko-KR" dirty="0"/>
+              <a:t>)</a:t>
+            </a:r>
+          </a:p>
+          <a:p>
+            <a:r>
+              <a:rPr lang="ko-KR" altLang="en-US" dirty="0"/>
+              <a:t>예상 운용 가능 회비</a:t>
+            </a:r>
+            <a:r>
+              <a:rPr lang="en-US" altLang="ko-KR" dirty="0"/>
+              <a:t>: 1,707,221 </a:t>
+            </a:r>
+            <a:r>
+              <a:rPr lang="ko-KR" altLang="en-US" dirty="0"/>
+              <a:t>원 </a:t>
+            </a:r>
+            <a:r>
+              <a:rPr lang="en-US" altLang="ko-KR" dirty="0"/>
+              <a:t>+ @</a:t>
+            </a:r>
+          </a:p>
+          <a:p>
+            <a:endParaRPr lang="en-US" altLang="ko-KR" dirty="0"/>
+          </a:p>
+          <a:p>
+            <a:r>
+              <a:rPr lang="en-US" altLang="ko-KR" dirty="0"/>
+              <a:t>(</a:t>
+            </a:r>
+            <a:r>
+              <a:rPr lang="ko-KR" altLang="en-US" dirty="0" err="1"/>
+              <a:t>보라카이</a:t>
+            </a:r>
+            <a:r>
+              <a:rPr lang="ko-KR" altLang="en-US" dirty="0"/>
+              <a:t> 숙소요금 회비에서 지출한다고 가정</a:t>
+            </a:r>
+            <a:r>
+              <a:rPr lang="en-US" altLang="ko-KR" dirty="0"/>
+              <a:t>)</a:t>
+            </a:r>
+          </a:p>
+          <a:p>
+            <a:r>
+              <a:rPr lang="ko-KR" altLang="en-US" dirty="0"/>
+              <a:t>예상 운용 가능 회비</a:t>
+            </a:r>
+            <a:r>
+              <a:rPr lang="en-US" altLang="ko-KR" dirty="0"/>
+              <a:t>: 1,465,952 </a:t>
+            </a:r>
+            <a:r>
+              <a:rPr lang="ko-KR" altLang="en-US" dirty="0"/>
+              <a:t>원 </a:t>
+            </a:r>
+            <a:r>
+              <a:rPr lang="en-US" altLang="ko-KR" dirty="0"/>
+              <a:t>+ @</a:t>
+            </a:r>
+            <a:endParaRPr lang="ko-KR" altLang="en-US" dirty="0"/>
+          </a:p>
+        </p:txBody>
+      </p:sp>
       <p:pic>
         <p:nvPicPr>
-          <p:cNvPr id="5" name="그림 4">
-            <a:extLst>
-              <a:ext uri="{FF2B5EF4-FFF2-40B4-BE49-F238E27FC236}">
-                <a16:creationId xmlns:a16="http://schemas.microsoft.com/office/drawing/2014/main" id="{8A20A7D8-C8CE-3BA5-9C95-F7CFA77C701A}"/>
+          <p:cNvPr id="3" name="그림 2">
+            <a:extLst>
+              <a:ext uri="{FF2B5EF4-FFF2-40B4-BE49-F238E27FC236}">
+                <a16:creationId xmlns:a16="http://schemas.microsoft.com/office/drawing/2014/main" id="{10575D95-F625-BEED-8341-145CB1EBBE47}"/>
               </a:ext>
             </a:extLst>
           </p:cNvPr>
@@ -3702,133 +3816,20 @@
         </p:blipFill>
         <p:spPr>
           <a:xfrm>
-            <a:off x="6096000" y="794998"/>
-            <a:ext cx="5115639" cy="3639058"/>
+            <a:off x="5902399" y="662889"/>
+            <a:ext cx="5134692" cy="3629532"/>
           </a:xfrm>
           <a:prstGeom prst="rect">
             <a:avLst/>
           </a:prstGeom>
         </p:spPr>
       </p:pic>
-      <p:sp>
-        <p:nvSpPr>
-          <p:cNvPr id="6" name="TextBox 5">
-            <a:extLst>
-              <a:ext uri="{FF2B5EF4-FFF2-40B4-BE49-F238E27FC236}">
-                <a16:creationId xmlns:a16="http://schemas.microsoft.com/office/drawing/2014/main" id="{41FC0304-7F61-FDD7-B23A-57DAAAC3929E}"/>
-              </a:ext>
-            </a:extLst>
-          </p:cNvPr>
-          <p:cNvSpPr txBox="1"/>
-          <p:nvPr/>
-        </p:nvSpPr>
-        <p:spPr>
-          <a:xfrm>
-            <a:off x="6572250" y="4857750"/>
-            <a:ext cx="5038559" cy="1477328"/>
-          </a:xfrm>
-          <a:prstGeom prst="rect">
-            <a:avLst/>
-          </a:prstGeom>
-          <a:noFill/>
-        </p:spPr>
-        <p:txBody>
-          <a:bodyPr wrap="none" rtlCol="0">
-            <a:spAutoFit/>
-          </a:bodyPr>
-          <a:lstStyle/>
-          <a:p>
-            <a:r>
-              <a:rPr lang="en-US" altLang="ko-KR" dirty="0"/>
-              <a:t>(</a:t>
-            </a:r>
-            <a:r>
-              <a:rPr lang="ko-KR" altLang="en-US" dirty="0" err="1"/>
-              <a:t>보라카이</a:t>
-            </a:r>
-            <a:r>
-              <a:rPr lang="ko-KR" altLang="en-US" dirty="0"/>
-              <a:t> 숙소요금은 </a:t>
-            </a:r>
-            <a:r>
-              <a:rPr lang="en-US" altLang="ko-KR" dirty="0"/>
-              <a:t>1/n</a:t>
-            </a:r>
-            <a:r>
-              <a:rPr lang="ko-KR" altLang="en-US" dirty="0"/>
-              <a:t>한다고 가정</a:t>
-            </a:r>
-            <a:r>
-              <a:rPr lang="en-US" altLang="ko-KR" dirty="0"/>
-              <a:t>)</a:t>
-            </a:r>
-          </a:p>
-          <a:p>
-            <a:r>
-              <a:rPr lang="ko-KR" altLang="en-US" dirty="0"/>
-              <a:t>예상 운용 가능 회비</a:t>
-            </a:r>
-            <a:r>
-              <a:rPr lang="en-US" altLang="ko-KR" dirty="0"/>
-              <a:t>: 1,707,221 </a:t>
-            </a:r>
-            <a:r>
-              <a:rPr lang="ko-KR" altLang="en-US" dirty="0"/>
-              <a:t>원 </a:t>
-            </a:r>
-            <a:r>
-              <a:rPr lang="en-US" altLang="ko-KR" dirty="0"/>
-              <a:t>+ @</a:t>
-            </a:r>
-          </a:p>
-          <a:p>
-            <a:endParaRPr lang="en-US" altLang="ko-KR" dirty="0"/>
-          </a:p>
-          <a:p>
-            <a:r>
-              <a:rPr lang="en-US" altLang="ko-KR" dirty="0"/>
-              <a:t>(</a:t>
-            </a:r>
-            <a:r>
-              <a:rPr lang="ko-KR" altLang="en-US" dirty="0" err="1"/>
-              <a:t>보라카이</a:t>
-            </a:r>
-            <a:r>
-              <a:rPr lang="ko-KR" altLang="en-US" dirty="0"/>
-              <a:t> 숙소요금 회비에서 지출한다고 가정</a:t>
-            </a:r>
-            <a:r>
-              <a:rPr lang="en-US" altLang="ko-KR" dirty="0"/>
-              <a:t>)</a:t>
-            </a:r>
-          </a:p>
-          <a:p>
-            <a:r>
-              <a:rPr lang="ko-KR" altLang="en-US" dirty="0"/>
-              <a:t>예상 운용 가능 회비</a:t>
-            </a:r>
-            <a:r>
-              <a:rPr lang="en-US" altLang="ko-KR" dirty="0"/>
-              <a:t>: 1,465,952 </a:t>
-            </a:r>
-            <a:r>
-              <a:rPr lang="ko-KR" altLang="en-US" dirty="0"/>
-              <a:t>원 </a:t>
-            </a:r>
-            <a:r>
-              <a:rPr lang="en-US" altLang="ko-KR" dirty="0"/>
-              <a:t>+ @</a:t>
-            </a:r>
-            <a:endParaRPr lang="ko-KR" altLang="en-US" dirty="0"/>
-          </a:p>
-        </p:txBody>
-      </p:sp>
       <p:pic>
         <p:nvPicPr>
-          <p:cNvPr id="4" name="그림 3">
-            <a:extLst>
-              <a:ext uri="{FF2B5EF4-FFF2-40B4-BE49-F238E27FC236}">
-                <a16:creationId xmlns:a16="http://schemas.microsoft.com/office/drawing/2014/main" id="{B436C8CD-0D8D-8F82-2069-B3B4F891B3CC}"/>
+          <p:cNvPr id="5" name="그림 4">
+            <a:extLst>
+              <a:ext uri="{FF2B5EF4-FFF2-40B4-BE49-F238E27FC236}">
+                <a16:creationId xmlns:a16="http://schemas.microsoft.com/office/drawing/2014/main" id="{58B0D2AD-A378-37CC-D042-5BE285B6D2AC}"/>
               </a:ext>
             </a:extLst>
           </p:cNvPr>
@@ -3845,8 +3846,8 @@
         </p:blipFill>
         <p:spPr>
           <a:xfrm>
-            <a:off x="304059" y="852128"/>
-            <a:ext cx="5315692" cy="5153744"/>
+            <a:off x="342164" y="461548"/>
+            <a:ext cx="5277587" cy="5934903"/>
           </a:xfrm>
           <a:prstGeom prst="rect">
             <a:avLst/>
@@ -3867,6 +3868,87 @@
 </file>
 
 <file path=ppt/slides/slide5.xml><?xml version="1.0" encoding="utf-8"?>
+<p:sld xmlns:a="http://schemas.openxmlformats.org/drawingml/2006/main" xmlns:r="http://schemas.openxmlformats.org/officeDocument/2006/relationships" xmlns:p="http://schemas.openxmlformats.org/presentationml/2006/main">
+  <p:cSld>
+    <p:spTree>
+      <p:nvGrpSpPr>
+        <p:cNvPr id="1" name=""/>
+        <p:cNvGrpSpPr/>
+        <p:nvPr/>
+      </p:nvGrpSpPr>
+      <p:grpSpPr>
+        <a:xfrm>
+          <a:off x="0" y="0"/>
+          <a:ext cx="0" cy="0"/>
+          <a:chOff x="0" y="0"/>
+          <a:chExt cx="0" cy="0"/>
+        </a:xfrm>
+      </p:grpSpPr>
+      <p:sp>
+        <p:nvSpPr>
+          <p:cNvPr id="2" name="TextBox 1">
+            <a:extLst>
+              <a:ext uri="{FF2B5EF4-FFF2-40B4-BE49-F238E27FC236}">
+                <a16:creationId xmlns:a16="http://schemas.microsoft.com/office/drawing/2014/main" id="{B7C311A3-CFD1-6C61-3511-17CF8496021A}"/>
+              </a:ext>
+            </a:extLst>
+          </p:cNvPr>
+          <p:cNvSpPr txBox="1"/>
+          <p:nvPr/>
+        </p:nvSpPr>
+        <p:spPr>
+          <a:xfrm>
+            <a:off x="397164" y="406400"/>
+            <a:ext cx="2613216" cy="646331"/>
+          </a:xfrm>
+          <a:prstGeom prst="rect">
+            <a:avLst/>
+          </a:prstGeom>
+          <a:noFill/>
+        </p:spPr>
+        <p:txBody>
+          <a:bodyPr wrap="none" rtlCol="0">
+            <a:spAutoFit/>
+          </a:bodyPr>
+          <a:lstStyle/>
+          <a:p>
+            <a:r>
+              <a:rPr lang="ko-KR" altLang="en-US" dirty="0" err="1"/>
+              <a:t>랩탑</a:t>
+            </a:r>
+            <a:r>
+              <a:rPr lang="ko-KR" altLang="en-US" dirty="0"/>
+              <a:t> 스탠드</a:t>
+            </a:r>
+            <a:endParaRPr lang="en-US" altLang="ko-KR" dirty="0"/>
+          </a:p>
+          <a:p>
+            <a:r>
+              <a:rPr lang="ko-KR" altLang="en-US" dirty="0"/>
+              <a:t>언제 어디서 팔 것인가</a:t>
+            </a:r>
+            <a:r>
+              <a:rPr lang="en-US" altLang="ko-KR" dirty="0"/>
+              <a:t>?</a:t>
+            </a:r>
+            <a:endParaRPr lang="ko-KR" altLang="en-US" dirty="0"/>
+          </a:p>
+        </p:txBody>
+      </p:sp>
+    </p:spTree>
+    <p:extLst>
+      <p:ext uri="{BB962C8B-B14F-4D97-AF65-F5344CB8AC3E}">
+        <p14:creationId xmlns:p14="http://schemas.microsoft.com/office/powerpoint/2010/main" val="237517228"/>
+      </p:ext>
+    </p:extLst>
+  </p:cSld>
+  <p:clrMapOvr>
+    <a:masterClrMapping/>
+  </p:clrMapOvr>
+</p:sld>
+</file>
+
+<file path=ppt/slides/slide6.xml><?xml version="1.0" encoding="utf-8"?>
 <p:sld xmlns:a="http://schemas.openxmlformats.org/drawingml/2006/main" xmlns:r="http://schemas.openxmlformats.org/officeDocument/2006/relationships" xmlns:p="http://schemas.openxmlformats.org/presentationml/2006/main">
   <p:cSld>
     <p:spTree>

--- a/PPT/week5_필리핀 친구들 맞이할 준비하기_20250401.pptx
+++ b/PPT/week5_필리핀 친구들 맞이할 준비하기_20250401.pptx
@@ -264,7 +264,7 @@
           <a:p>
             <a:fld id="{31BC56AD-70B2-46BD-BB61-4D0D5F54A6B8}" type="datetimeFigureOut">
               <a:rPr lang="ko-KR" altLang="en-US" smtClean="0"/>
-              <a:t>2025-03-31</a:t>
+              <a:t>2025-04-01</a:t>
             </a:fld>
             <a:endParaRPr lang="ko-KR" altLang="en-US"/>
           </a:p>
@@ -462,7 +462,7 @@
           <a:p>
             <a:fld id="{31BC56AD-70B2-46BD-BB61-4D0D5F54A6B8}" type="datetimeFigureOut">
               <a:rPr lang="ko-KR" altLang="en-US" smtClean="0"/>
-              <a:t>2025-03-31</a:t>
+              <a:t>2025-04-01</a:t>
             </a:fld>
             <a:endParaRPr lang="ko-KR" altLang="en-US"/>
           </a:p>
@@ -670,7 +670,7 @@
           <a:p>
             <a:fld id="{31BC56AD-70B2-46BD-BB61-4D0D5F54A6B8}" type="datetimeFigureOut">
               <a:rPr lang="ko-KR" altLang="en-US" smtClean="0"/>
-              <a:t>2025-03-31</a:t>
+              <a:t>2025-04-01</a:t>
             </a:fld>
             <a:endParaRPr lang="ko-KR" altLang="en-US"/>
           </a:p>
@@ -868,7 +868,7 @@
           <a:p>
             <a:fld id="{31BC56AD-70B2-46BD-BB61-4D0D5F54A6B8}" type="datetimeFigureOut">
               <a:rPr lang="ko-KR" altLang="en-US" smtClean="0"/>
-              <a:t>2025-03-31</a:t>
+              <a:t>2025-04-01</a:t>
             </a:fld>
             <a:endParaRPr lang="ko-KR" altLang="en-US"/>
           </a:p>
@@ -1143,7 +1143,7 @@
           <a:p>
             <a:fld id="{31BC56AD-70B2-46BD-BB61-4D0D5F54A6B8}" type="datetimeFigureOut">
               <a:rPr lang="ko-KR" altLang="en-US" smtClean="0"/>
-              <a:t>2025-03-31</a:t>
+              <a:t>2025-04-01</a:t>
             </a:fld>
             <a:endParaRPr lang="ko-KR" altLang="en-US"/>
           </a:p>
@@ -1408,7 +1408,7 @@
           <a:p>
             <a:fld id="{31BC56AD-70B2-46BD-BB61-4D0D5F54A6B8}" type="datetimeFigureOut">
               <a:rPr lang="ko-KR" altLang="en-US" smtClean="0"/>
-              <a:t>2025-03-31</a:t>
+              <a:t>2025-04-01</a:t>
             </a:fld>
             <a:endParaRPr lang="ko-KR" altLang="en-US"/>
           </a:p>
@@ -1820,7 +1820,7 @@
           <a:p>
             <a:fld id="{31BC56AD-70B2-46BD-BB61-4D0D5F54A6B8}" type="datetimeFigureOut">
               <a:rPr lang="ko-KR" altLang="en-US" smtClean="0"/>
-              <a:t>2025-03-31</a:t>
+              <a:t>2025-04-01</a:t>
             </a:fld>
             <a:endParaRPr lang="ko-KR" altLang="en-US"/>
           </a:p>
@@ -1961,7 +1961,7 @@
           <a:p>
             <a:fld id="{31BC56AD-70B2-46BD-BB61-4D0D5F54A6B8}" type="datetimeFigureOut">
               <a:rPr lang="ko-KR" altLang="en-US" smtClean="0"/>
-              <a:t>2025-03-31</a:t>
+              <a:t>2025-04-01</a:t>
             </a:fld>
             <a:endParaRPr lang="ko-KR" altLang="en-US"/>
           </a:p>
@@ -2074,7 +2074,7 @@
           <a:p>
             <a:fld id="{31BC56AD-70B2-46BD-BB61-4D0D5F54A6B8}" type="datetimeFigureOut">
               <a:rPr lang="ko-KR" altLang="en-US" smtClean="0"/>
-              <a:t>2025-03-31</a:t>
+              <a:t>2025-04-01</a:t>
             </a:fld>
             <a:endParaRPr lang="ko-KR" altLang="en-US"/>
           </a:p>
@@ -2385,7 +2385,7 @@
           <a:p>
             <a:fld id="{31BC56AD-70B2-46BD-BB61-4D0D5F54A6B8}" type="datetimeFigureOut">
               <a:rPr lang="ko-KR" altLang="en-US" smtClean="0"/>
-              <a:t>2025-03-31</a:t>
+              <a:t>2025-04-01</a:t>
             </a:fld>
             <a:endParaRPr lang="ko-KR" altLang="en-US"/>
           </a:p>
@@ -2673,7 +2673,7 @@
           <a:p>
             <a:fld id="{31BC56AD-70B2-46BD-BB61-4D0D5F54A6B8}" type="datetimeFigureOut">
               <a:rPr lang="ko-KR" altLang="en-US" smtClean="0"/>
-              <a:t>2025-03-31</a:t>
+              <a:t>2025-04-01</a:t>
             </a:fld>
             <a:endParaRPr lang="ko-KR" altLang="en-US"/>
           </a:p>
@@ -2914,7 +2914,7 @@
           <a:p>
             <a:fld id="{31BC56AD-70B2-46BD-BB61-4D0D5F54A6B8}" type="datetimeFigureOut">
               <a:rPr lang="ko-KR" altLang="en-US" smtClean="0"/>
-              <a:t>2025-03-31</a:t>
+              <a:t>2025-04-01</a:t>
             </a:fld>
             <a:endParaRPr lang="ko-KR" altLang="en-US"/>
           </a:p>
@@ -3741,7 +3741,7 @@
             </a:r>
             <a:r>
               <a:rPr lang="en-US" altLang="ko-KR" dirty="0"/>
-              <a:t>: 1,707,221 </a:t>
+              <a:t>: 1,889,597 </a:t>
             </a:r>
             <a:r>
               <a:rPr lang="ko-KR" altLang="en-US" dirty="0"/>
@@ -3780,7 +3780,7 @@
             </a:r>
             <a:r>
               <a:rPr lang="en-US" altLang="ko-KR" dirty="0"/>
-              <a:t>: 1,465,952 </a:t>
+              <a:t>: 1,648,328 </a:t>
             </a:r>
             <a:r>
               <a:rPr lang="ko-KR" altLang="en-US" dirty="0"/>
@@ -3796,10 +3796,10 @@
       </p:sp>
       <p:pic>
         <p:nvPicPr>
-          <p:cNvPr id="3" name="그림 2">
-            <a:extLst>
-              <a:ext uri="{FF2B5EF4-FFF2-40B4-BE49-F238E27FC236}">
-                <a16:creationId xmlns:a16="http://schemas.microsoft.com/office/drawing/2014/main" id="{10575D95-F625-BEED-8341-145CB1EBBE47}"/>
+          <p:cNvPr id="4" name="그림 3">
+            <a:extLst>
+              <a:ext uri="{FF2B5EF4-FFF2-40B4-BE49-F238E27FC236}">
+                <a16:creationId xmlns:a16="http://schemas.microsoft.com/office/drawing/2014/main" id="{E0D9B90D-C9CB-D97B-6940-FF7652D04247}"/>
               </a:ext>
             </a:extLst>
           </p:cNvPr>
@@ -3816,8 +3816,8 @@
         </p:blipFill>
         <p:spPr>
           <a:xfrm>
-            <a:off x="5902399" y="662889"/>
-            <a:ext cx="5134692" cy="3629532"/>
+            <a:off x="313586" y="247206"/>
+            <a:ext cx="5306165" cy="6363588"/>
           </a:xfrm>
           <a:prstGeom prst="rect">
             <a:avLst/>
@@ -3826,10 +3826,10 @@
       </p:pic>
       <p:pic>
         <p:nvPicPr>
-          <p:cNvPr id="5" name="그림 4">
-            <a:extLst>
-              <a:ext uri="{FF2B5EF4-FFF2-40B4-BE49-F238E27FC236}">
-                <a16:creationId xmlns:a16="http://schemas.microsoft.com/office/drawing/2014/main" id="{58B0D2AD-A378-37CC-D042-5BE285B6D2AC}"/>
+          <p:cNvPr id="8" name="그림 7">
+            <a:extLst>
+              <a:ext uri="{FF2B5EF4-FFF2-40B4-BE49-F238E27FC236}">
+                <a16:creationId xmlns:a16="http://schemas.microsoft.com/office/drawing/2014/main" id="{3B8DC6AD-468A-9E6F-CF9E-6A50CCF621B7}"/>
               </a:ext>
             </a:extLst>
           </p:cNvPr>
@@ -3846,8 +3846,8 @@
         </p:blipFill>
         <p:spPr>
           <a:xfrm>
-            <a:off x="342164" y="461548"/>
-            <a:ext cx="5277587" cy="5934903"/>
+            <a:off x="6295668" y="247206"/>
+            <a:ext cx="5106113" cy="4048690"/>
           </a:xfrm>
           <a:prstGeom prst="rect">
             <a:avLst/>

--- a/PPT/week5_필리핀 친구들 맞이할 준비하기_20250401.pptx
+++ b/PPT/week5_필리핀 친구들 맞이할 준비하기_20250401.pptx
@@ -264,7 +264,7 @@
           <a:p>
             <a:fld id="{31BC56AD-70B2-46BD-BB61-4D0D5F54A6B8}" type="datetimeFigureOut">
               <a:rPr lang="ko-KR" altLang="en-US" smtClean="0"/>
-              <a:t>2025-04-01</a:t>
+              <a:t>2025-04-02</a:t>
             </a:fld>
             <a:endParaRPr lang="ko-KR" altLang="en-US"/>
           </a:p>
@@ -462,7 +462,7 @@
           <a:p>
             <a:fld id="{31BC56AD-70B2-46BD-BB61-4D0D5F54A6B8}" type="datetimeFigureOut">
               <a:rPr lang="ko-KR" altLang="en-US" smtClean="0"/>
-              <a:t>2025-04-01</a:t>
+              <a:t>2025-04-02</a:t>
             </a:fld>
             <a:endParaRPr lang="ko-KR" altLang="en-US"/>
           </a:p>
@@ -670,7 +670,7 @@
           <a:p>
             <a:fld id="{31BC56AD-70B2-46BD-BB61-4D0D5F54A6B8}" type="datetimeFigureOut">
               <a:rPr lang="ko-KR" altLang="en-US" smtClean="0"/>
-              <a:t>2025-04-01</a:t>
+              <a:t>2025-04-02</a:t>
             </a:fld>
             <a:endParaRPr lang="ko-KR" altLang="en-US"/>
           </a:p>
@@ -868,7 +868,7 @@
           <a:p>
             <a:fld id="{31BC56AD-70B2-46BD-BB61-4D0D5F54A6B8}" type="datetimeFigureOut">
               <a:rPr lang="ko-KR" altLang="en-US" smtClean="0"/>
-              <a:t>2025-04-01</a:t>
+              <a:t>2025-04-02</a:t>
             </a:fld>
             <a:endParaRPr lang="ko-KR" altLang="en-US"/>
           </a:p>
@@ -1143,7 +1143,7 @@
           <a:p>
             <a:fld id="{31BC56AD-70B2-46BD-BB61-4D0D5F54A6B8}" type="datetimeFigureOut">
               <a:rPr lang="ko-KR" altLang="en-US" smtClean="0"/>
-              <a:t>2025-04-01</a:t>
+              <a:t>2025-04-02</a:t>
             </a:fld>
             <a:endParaRPr lang="ko-KR" altLang="en-US"/>
           </a:p>
@@ -1408,7 +1408,7 @@
           <a:p>
             <a:fld id="{31BC56AD-70B2-46BD-BB61-4D0D5F54A6B8}" type="datetimeFigureOut">
               <a:rPr lang="ko-KR" altLang="en-US" smtClean="0"/>
-              <a:t>2025-04-01</a:t>
+              <a:t>2025-04-02</a:t>
             </a:fld>
             <a:endParaRPr lang="ko-KR" altLang="en-US"/>
           </a:p>
@@ -1820,7 +1820,7 @@
           <a:p>
             <a:fld id="{31BC56AD-70B2-46BD-BB61-4D0D5F54A6B8}" type="datetimeFigureOut">
               <a:rPr lang="ko-KR" altLang="en-US" smtClean="0"/>
-              <a:t>2025-04-01</a:t>
+              <a:t>2025-04-02</a:t>
             </a:fld>
             <a:endParaRPr lang="ko-KR" altLang="en-US"/>
           </a:p>
@@ -1961,7 +1961,7 @@
           <a:p>
             <a:fld id="{31BC56AD-70B2-46BD-BB61-4D0D5F54A6B8}" type="datetimeFigureOut">
               <a:rPr lang="ko-KR" altLang="en-US" smtClean="0"/>
-              <a:t>2025-04-01</a:t>
+              <a:t>2025-04-02</a:t>
             </a:fld>
             <a:endParaRPr lang="ko-KR" altLang="en-US"/>
           </a:p>
@@ -2074,7 +2074,7 @@
           <a:p>
             <a:fld id="{31BC56AD-70B2-46BD-BB61-4D0D5F54A6B8}" type="datetimeFigureOut">
               <a:rPr lang="ko-KR" altLang="en-US" smtClean="0"/>
-              <a:t>2025-04-01</a:t>
+              <a:t>2025-04-02</a:t>
             </a:fld>
             <a:endParaRPr lang="ko-KR" altLang="en-US"/>
           </a:p>
@@ -2385,7 +2385,7 @@
           <a:p>
             <a:fld id="{31BC56AD-70B2-46BD-BB61-4D0D5F54A6B8}" type="datetimeFigureOut">
               <a:rPr lang="ko-KR" altLang="en-US" smtClean="0"/>
-              <a:t>2025-04-01</a:t>
+              <a:t>2025-04-02</a:t>
             </a:fld>
             <a:endParaRPr lang="ko-KR" altLang="en-US"/>
           </a:p>
@@ -2673,7 +2673,7 @@
           <a:p>
             <a:fld id="{31BC56AD-70B2-46BD-BB61-4D0D5F54A6B8}" type="datetimeFigureOut">
               <a:rPr lang="ko-KR" altLang="en-US" smtClean="0"/>
-              <a:t>2025-04-01</a:t>
+              <a:t>2025-04-02</a:t>
             </a:fld>
             <a:endParaRPr lang="ko-KR" altLang="en-US"/>
           </a:p>
@@ -2914,7 +2914,7 @@
           <a:p>
             <a:fld id="{31BC56AD-70B2-46BD-BB61-4D0D5F54A6B8}" type="datetimeFigureOut">
               <a:rPr lang="ko-KR" altLang="en-US" smtClean="0"/>
-              <a:t>2025-04-01</a:t>
+              <a:t>2025-04-02</a:t>
             </a:fld>
             <a:endParaRPr lang="ko-KR" altLang="en-US"/>
           </a:p>
@@ -3741,7 +3741,7 @@
             </a:r>
             <a:r>
               <a:rPr lang="en-US" altLang="ko-KR" dirty="0"/>
-              <a:t>: 1,889,597 </a:t>
+              <a:t>: 1,943,597 </a:t>
             </a:r>
             <a:r>
               <a:rPr lang="ko-KR" altLang="en-US" dirty="0"/>
@@ -3780,7 +3780,7 @@
             </a:r>
             <a:r>
               <a:rPr lang="en-US" altLang="ko-KR" dirty="0"/>
-              <a:t>: 1,648,328 </a:t>
+              <a:t>: 1,702,328 </a:t>
             </a:r>
             <a:r>
               <a:rPr lang="ko-KR" altLang="en-US" dirty="0"/>
